--- a/Project presentation.pptx
+++ b/Project presentation.pptx
@@ -6508,19 +6508,6 @@
                 </a:solidFill>
               </a:rPr>
               <a:t>Oleg Yadroshnikov</a:t>
-            </a:r>
-          </a:p>
-          <a:p>
-            <a:r>
-              <a:rPr lang="en-US" sz="1300" dirty="0">
-                <a:solidFill>
-                  <a:schemeClr val="tx2">
-                    <a:lumMod val="60000"/>
-                    <a:lumOff val="40000"/>
-                  </a:schemeClr>
-                </a:solidFill>
-              </a:rPr>
-              <a:t>Cell. (204) 391-2838</a:t>
             </a:r>
           </a:p>
           <a:p>
